--- a/Results/_proj_ptaee.pptx
+++ b/Results/_proj_ptaee.pptx
@@ -123,6 +123,11 @@
       </a:defRPr>
     </a:lvl9pPr>
   </p:defaultTextStyle>
+  <p:extLst>
+    <p:ext uri="{EFAFB233-063F-42B5-8137-9DF3F51BA10A}">
+      <p15:sldGuideLst xmlns:p15="http://schemas.microsoft.com/office/powerpoint/2012/main"/>
+    </p:ext>
+  </p:extLst>
 </p:presentation>
 </file>
 
@@ -275,7 +280,7 @@
           <a:p>
             <a:fld id="{02665250-0871-45BE-AF86-9DFD2EDE9BBC}" type="datetimeFigureOut">
               <a:rPr lang="en-GB" smtClean="0"/>
-              <a:t>03/04/2021</a:t>
+              <a:t>05/04/2021</a:t>
             </a:fld>
             <a:endParaRPr lang="en-GB"/>
           </a:p>
@@ -475,7 +480,7 @@
           <a:p>
             <a:fld id="{02665250-0871-45BE-AF86-9DFD2EDE9BBC}" type="datetimeFigureOut">
               <a:rPr lang="en-GB" smtClean="0"/>
-              <a:t>03/04/2021</a:t>
+              <a:t>05/04/2021</a:t>
             </a:fld>
             <a:endParaRPr lang="en-GB"/>
           </a:p>
@@ -685,7 +690,7 @@
           <a:p>
             <a:fld id="{02665250-0871-45BE-AF86-9DFD2EDE9BBC}" type="datetimeFigureOut">
               <a:rPr lang="en-GB" smtClean="0"/>
-              <a:t>03/04/2021</a:t>
+              <a:t>05/04/2021</a:t>
             </a:fld>
             <a:endParaRPr lang="en-GB"/>
           </a:p>
@@ -885,7 +890,7 @@
           <a:p>
             <a:fld id="{02665250-0871-45BE-AF86-9DFD2EDE9BBC}" type="datetimeFigureOut">
               <a:rPr lang="en-GB" smtClean="0"/>
-              <a:t>03/04/2021</a:t>
+              <a:t>05/04/2021</a:t>
             </a:fld>
             <a:endParaRPr lang="en-GB"/>
           </a:p>
@@ -1161,7 +1166,7 @@
           <a:p>
             <a:fld id="{02665250-0871-45BE-AF86-9DFD2EDE9BBC}" type="datetimeFigureOut">
               <a:rPr lang="en-GB" smtClean="0"/>
-              <a:t>03/04/2021</a:t>
+              <a:t>05/04/2021</a:t>
             </a:fld>
             <a:endParaRPr lang="en-GB"/>
           </a:p>
@@ -1429,7 +1434,7 @@
           <a:p>
             <a:fld id="{02665250-0871-45BE-AF86-9DFD2EDE9BBC}" type="datetimeFigureOut">
               <a:rPr lang="en-GB" smtClean="0"/>
-              <a:t>03/04/2021</a:t>
+              <a:t>05/04/2021</a:t>
             </a:fld>
             <a:endParaRPr lang="en-GB"/>
           </a:p>
@@ -1844,7 +1849,7 @@
           <a:p>
             <a:fld id="{02665250-0871-45BE-AF86-9DFD2EDE9BBC}" type="datetimeFigureOut">
               <a:rPr lang="en-GB" smtClean="0"/>
-              <a:t>03/04/2021</a:t>
+              <a:t>05/04/2021</a:t>
             </a:fld>
             <a:endParaRPr lang="en-GB"/>
           </a:p>
@@ -1986,7 +1991,7 @@
           <a:p>
             <a:fld id="{02665250-0871-45BE-AF86-9DFD2EDE9BBC}" type="datetimeFigureOut">
               <a:rPr lang="en-GB" smtClean="0"/>
-              <a:t>03/04/2021</a:t>
+              <a:t>05/04/2021</a:t>
             </a:fld>
             <a:endParaRPr lang="en-GB"/>
           </a:p>
@@ -2099,7 +2104,7 @@
           <a:p>
             <a:fld id="{02665250-0871-45BE-AF86-9DFD2EDE9BBC}" type="datetimeFigureOut">
               <a:rPr lang="en-GB" smtClean="0"/>
-              <a:t>03/04/2021</a:t>
+              <a:t>05/04/2021</a:t>
             </a:fld>
             <a:endParaRPr lang="en-GB"/>
           </a:p>
@@ -2412,7 +2417,7 @@
           <a:p>
             <a:fld id="{02665250-0871-45BE-AF86-9DFD2EDE9BBC}" type="datetimeFigureOut">
               <a:rPr lang="en-GB" smtClean="0"/>
-              <a:t>03/04/2021</a:t>
+              <a:t>05/04/2021</a:t>
             </a:fld>
             <a:endParaRPr lang="en-GB"/>
           </a:p>
@@ -2701,7 +2706,7 @@
           <a:p>
             <a:fld id="{02665250-0871-45BE-AF86-9DFD2EDE9BBC}" type="datetimeFigureOut">
               <a:rPr lang="en-GB" smtClean="0"/>
-              <a:t>03/04/2021</a:t>
+              <a:t>05/04/2021</a:t>
             </a:fld>
             <a:endParaRPr lang="en-GB"/>
           </a:p>
@@ -2944,7 +2949,7 @@
           <a:p>
             <a:fld id="{02665250-0871-45BE-AF86-9DFD2EDE9BBC}" type="datetimeFigureOut">
               <a:rPr lang="en-GB" smtClean="0"/>
-              <a:t>03/04/2021</a:t>
+              <a:t>05/04/2021</a:t>
             </a:fld>
             <a:endParaRPr lang="en-GB"/>
           </a:p>
@@ -3361,56 +3366,6 @@
           <a:chExt cx="0" cy="0"/>
         </a:xfrm>
       </p:grpSpPr>
-      <p:sp>
-        <p:nvSpPr>
-          <p:cNvPr id="2" name="Título 1">
-            <a:extLst>
-              <a:ext uri="{FF2B5EF4-FFF2-40B4-BE49-F238E27FC236}">
-                <a16:creationId xmlns:a16="http://schemas.microsoft.com/office/drawing/2014/main" id="{1F141F67-1156-44F9-8FC9-E3287D2328AE}"/>
-              </a:ext>
-            </a:extLst>
-          </p:cNvPr>
-          <p:cNvSpPr>
-            <a:spLocks noGrp="1"/>
-          </p:cNvSpPr>
-          <p:nvPr>
-            <p:ph type="ctrTitle"/>
-          </p:nvPr>
-        </p:nvSpPr>
-        <p:spPr/>
-        <p:txBody>
-          <a:bodyPr/>
-          <a:lstStyle/>
-          <a:p>
-            <a:endParaRPr lang="en-GB"/>
-          </a:p>
-        </p:txBody>
-      </p:sp>
-      <p:sp>
-        <p:nvSpPr>
-          <p:cNvPr id="3" name="Subtítulo 2">
-            <a:extLst>
-              <a:ext uri="{FF2B5EF4-FFF2-40B4-BE49-F238E27FC236}">
-                <a16:creationId xmlns:a16="http://schemas.microsoft.com/office/drawing/2014/main" id="{0031402E-E783-4839-A7C0-08A081D1A4D5}"/>
-              </a:ext>
-            </a:extLst>
-          </p:cNvPr>
-          <p:cNvSpPr>
-            <a:spLocks noGrp="1"/>
-          </p:cNvSpPr>
-          <p:nvPr>
-            <p:ph type="subTitle" idx="1"/>
-          </p:nvPr>
-        </p:nvSpPr>
-        <p:spPr/>
-        <p:txBody>
-          <a:bodyPr/>
-          <a:lstStyle/>
-          <a:p>
-            <a:endParaRPr lang="en-GB"/>
-          </a:p>
-        </p:txBody>
-      </p:sp>
     </p:spTree>
     <p:extLst>
       <p:ext uri="{BB962C8B-B14F-4D97-AF65-F5344CB8AC3E}">
@@ -3488,8 +3443,8 @@
           </a:p>
         </p:txBody>
       </p:sp>
-      <mc:AlternateContent xmlns:mc="http://schemas.openxmlformats.org/markup-compatibility/2006">
-        <mc:Choice xmlns:a14="http://schemas.microsoft.com/office/drawing/2010/main" Requires="a14">
+      <mc:AlternateContent xmlns:mc="http://schemas.openxmlformats.org/markup-compatibility/2006" xmlns:a14="http://schemas.microsoft.com/office/drawing/2010/main">
+        <mc:Choice Requires="a14">
           <p:sp>
             <p:nvSpPr>
               <p:cNvPr id="7" name="Marcador de Posição de Conteúdo 2">
@@ -3612,19 +3567,7 @@
                             <a:rPr lang="pt-BR" sz="2500" b="0" i="1" dirty="0" smtClean="0">
                               <a:latin typeface="Cambria Math" panose="02040503050406030204" pitchFamily="18" charset="0"/>
                             </a:rPr>
-                            <m:t>(1</m:t>
-                          </m:r>
-                          <m:r>
-                            <a:rPr lang="pt-BR" sz="2500" b="0" i="1" dirty="0" smtClean="0">
-                              <a:latin typeface="Cambria Math" panose="02040503050406030204" pitchFamily="18" charset="0"/>
-                            </a:rPr>
-                            <m:t>5</m:t>
-                          </m:r>
-                          <m:r>
-                            <a:rPr lang="pt-BR" sz="2500" b="0" i="1" dirty="0" smtClean="0">
-                              <a:latin typeface="Cambria Math" panose="02040503050406030204" pitchFamily="18" charset="0"/>
-                            </a:rPr>
-                            <m:t>)</m:t>
+                            <m:t>(15)</m:t>
                           </m:r>
                         </m:sub>
                         <m:sup>
@@ -3774,7 +3717,7 @@
             </p:txBody>
           </p:sp>
         </mc:Choice>
-        <mc:Fallback>
+        <mc:Fallback xmlns="">
           <p:sp>
             <p:nvSpPr>
               <p:cNvPr id="7" name="Marcador de Posição de Conteúdo 2">
@@ -4748,8 +4691,8 @@
           </a:p>
         </p:txBody>
       </p:sp>
-      <mc:AlternateContent xmlns:mc="http://schemas.openxmlformats.org/markup-compatibility/2006">
-        <mc:Choice xmlns:a14="http://schemas.microsoft.com/office/drawing/2010/main" Requires="a14">
+      <mc:AlternateContent xmlns:mc="http://schemas.openxmlformats.org/markup-compatibility/2006" xmlns:a14="http://schemas.microsoft.com/office/drawing/2010/main">
+        <mc:Choice Requires="a14">
           <p:sp>
             <p:nvSpPr>
               <p:cNvPr id="7" name="Marcador de Posição de Conteúdo 2">
@@ -4872,19 +4815,7 @@
                             <a:rPr lang="pt-BR" sz="2500" b="0" i="1" dirty="0" smtClean="0">
                               <a:latin typeface="Cambria Math" panose="02040503050406030204" pitchFamily="18" charset="0"/>
                             </a:rPr>
-                            <m:t>(1</m:t>
-                          </m:r>
-                          <m:r>
-                            <a:rPr lang="pt-BR" sz="2500" b="0" i="1" dirty="0" smtClean="0">
-                              <a:latin typeface="Cambria Math" panose="02040503050406030204" pitchFamily="18" charset="0"/>
-                            </a:rPr>
-                            <m:t>2</m:t>
-                          </m:r>
-                          <m:r>
-                            <a:rPr lang="pt-BR" sz="2500" b="0" i="1" dirty="0" smtClean="0">
-                              <a:latin typeface="Cambria Math" panose="02040503050406030204" pitchFamily="18" charset="0"/>
-                            </a:rPr>
-                            <m:t>)</m:t>
+                            <m:t>(12)</m:t>
                           </m:r>
                         </m:sub>
                         <m:sup>
@@ -5034,7 +4965,7 @@
             </p:txBody>
           </p:sp>
         </mc:Choice>
-        <mc:Fallback>
+        <mc:Fallback xmlns="">
           <p:sp>
             <p:nvSpPr>
               <p:cNvPr id="7" name="Marcador de Posição de Conteúdo 2">
@@ -5838,8 +5769,8 @@
           </a:p>
         </p:txBody>
       </p:sp>
-      <mc:AlternateContent xmlns:mc="http://schemas.openxmlformats.org/markup-compatibility/2006">
-        <mc:Choice xmlns:a14="http://schemas.microsoft.com/office/drawing/2010/main" Requires="a14">
+      <mc:AlternateContent xmlns:mc="http://schemas.openxmlformats.org/markup-compatibility/2006" xmlns:a14="http://schemas.microsoft.com/office/drawing/2010/main">
+        <mc:Choice Requires="a14">
           <p:sp>
             <p:nvSpPr>
               <p:cNvPr id="7" name="Marcador de Posição de Conteúdo 2">
@@ -5962,19 +5893,7 @@
                             <a:rPr lang="pt-BR" sz="2500" b="0" i="1" dirty="0" smtClean="0">
                               <a:latin typeface="Cambria Math" panose="02040503050406030204" pitchFamily="18" charset="0"/>
                             </a:rPr>
-                            <m:t>(</m:t>
-                          </m:r>
-                          <m:r>
-                            <a:rPr lang="pt-BR" sz="2500" b="0" i="1" dirty="0" smtClean="0">
-                              <a:latin typeface="Cambria Math" panose="02040503050406030204" pitchFamily="18" charset="0"/>
-                            </a:rPr>
-                            <m:t>4</m:t>
-                          </m:r>
-                          <m:r>
-                            <a:rPr lang="pt-BR" sz="2500" b="0" i="1" dirty="0" smtClean="0">
-                              <a:latin typeface="Cambria Math" panose="02040503050406030204" pitchFamily="18" charset="0"/>
-                            </a:rPr>
-                            <m:t>)</m:t>
+                            <m:t>(4)</m:t>
                           </m:r>
                         </m:sub>
                         <m:sup>
@@ -6124,7 +6043,7 @@
             </p:txBody>
           </p:sp>
         </mc:Choice>
-        <mc:Fallback>
+        <mc:Fallback xmlns="">
           <p:sp>
             <p:nvSpPr>
               <p:cNvPr id="7" name="Marcador de Posição de Conteúdo 2">
@@ -6664,8 +6583,8 @@
           <a:chExt cx="0" cy="0"/>
         </a:xfrm>
       </p:grpSpPr>
-      <mc:AlternateContent xmlns:mc="http://schemas.openxmlformats.org/markup-compatibility/2006">
-        <mc:Choice xmlns:a14="http://schemas.microsoft.com/office/drawing/2010/main" Requires="a14">
+      <mc:AlternateContent xmlns:mc="http://schemas.openxmlformats.org/markup-compatibility/2006" xmlns:a14="http://schemas.microsoft.com/office/drawing/2010/main">
+        <mc:Choice Requires="a14">
           <p:sp>
             <p:nvSpPr>
               <p:cNvPr id="2" name="Título 1">
@@ -6743,7 +6662,7 @@
             </p:txBody>
           </p:sp>
         </mc:Choice>
-        <mc:Fallback>
+        <mc:Fallback xmlns="">
           <p:sp>
             <p:nvSpPr>
               <p:cNvPr id="2" name="Título 1">
@@ -7283,8 +7202,8 @@
           </a:p>
         </p:txBody>
       </p:sp>
-      <mc:AlternateContent xmlns:mc="http://schemas.openxmlformats.org/markup-compatibility/2006">
-        <mc:Choice xmlns:a14="http://schemas.microsoft.com/office/drawing/2010/main" Requires="a14">
+      <mc:AlternateContent xmlns:mc="http://schemas.openxmlformats.org/markup-compatibility/2006" xmlns:a14="http://schemas.microsoft.com/office/drawing/2010/main">
+        <mc:Choice Requires="a14">
           <p:sp>
             <p:nvSpPr>
               <p:cNvPr id="7" name="Marcador de Posição de Conteúdo 2">
@@ -7586,7 +7505,7 @@
             </p:txBody>
           </p:sp>
         </mc:Choice>
-        <mc:Fallback>
+        <mc:Fallback xmlns="">
           <p:sp>
             <p:nvSpPr>
               <p:cNvPr id="7" name="Marcador de Posição de Conteúdo 2">
@@ -8300,8 +8219,8 @@
           </a:p>
         </p:txBody>
       </p:sp>
-      <mc:AlternateContent xmlns:mc="http://schemas.openxmlformats.org/markup-compatibility/2006">
-        <mc:Choice xmlns:a14="http://schemas.microsoft.com/office/drawing/2010/main" Requires="a14">
+      <mc:AlternateContent xmlns:mc="http://schemas.openxmlformats.org/markup-compatibility/2006" xmlns:a14="http://schemas.microsoft.com/office/drawing/2010/main">
+        <mc:Choice Requires="a14">
           <p:sp>
             <p:nvSpPr>
               <p:cNvPr id="7" name="Marcador de Posição de Conteúdo 2">
@@ -8603,7 +8522,7 @@
             </p:txBody>
           </p:sp>
         </mc:Choice>
-        <mc:Fallback>
+        <mc:Fallback xmlns="">
           <p:sp>
             <p:nvSpPr>
               <p:cNvPr id="7" name="Marcador de Posição de Conteúdo 2">
@@ -9686,8 +9605,8 @@
           </a:p>
         </p:txBody>
       </p:sp>
-      <mc:AlternateContent xmlns:mc="http://schemas.openxmlformats.org/markup-compatibility/2006">
-        <mc:Choice xmlns:a14="http://schemas.microsoft.com/office/drawing/2010/main" Requires="a14">
+      <mc:AlternateContent xmlns:mc="http://schemas.openxmlformats.org/markup-compatibility/2006" xmlns:a14="http://schemas.microsoft.com/office/drawing/2010/main">
+        <mc:Choice Requires="a14">
           <p:sp>
             <p:nvSpPr>
               <p:cNvPr id="7" name="Marcador de Posição de Conteúdo 2">
@@ -9960,7 +9879,7 @@
             </p:txBody>
           </p:sp>
         </mc:Choice>
-        <mc:Fallback>
+        <mc:Fallback xmlns="">
           <p:sp>
             <p:nvSpPr>
               <p:cNvPr id="7" name="Marcador de Posição de Conteúdo 2">
